--- a/Perspective d’évolution.pptx
+++ b/Perspective d’évolution.pptx
@@ -7,7 +7,7 @@
   <p:sldIdLst>
     <p:sldId id="256" r:id="rId2"/>
     <p:sldId id="257" r:id="rId3"/>
-    <p:sldId id="273" r:id="rId4"/>
+    <p:sldId id="272" r:id="rId4"/>
     <p:sldId id="258" r:id="rId5"/>
     <p:sldId id="259" r:id="rId6"/>
     <p:sldId id="266" r:id="rId7"/>
@@ -17,7 +17,6 @@
     <p:sldId id="268" r:id="rId11"/>
     <p:sldId id="269" r:id="rId12"/>
     <p:sldId id="270" r:id="rId13"/>
-    <p:sldId id="272" r:id="rId14"/>
   </p:sldIdLst>
   <p:sldSz cx="12192000" cy="6858000"/>
   <p:notesSz cx="6858000" cy="9144000"/>
@@ -321,7 +320,7 @@
           <a:p>
             <a:fld id="{EC73ADC3-C8BE-4ABF-888B-569D9B0F99DE}" type="datetimeFigureOut">
               <a:rPr lang="fr-FR" smtClean="0"/>
-              <a:t>07/03/2018</a:t>
+              <a:t>12/03/2018</a:t>
             </a:fld>
             <a:endParaRPr lang="fr-FR"/>
           </a:p>
@@ -619,7 +618,7 @@
           <a:p>
             <a:fld id="{EC73ADC3-C8BE-4ABF-888B-569D9B0F99DE}" type="datetimeFigureOut">
               <a:rPr lang="fr-FR" smtClean="0"/>
-              <a:t>07/03/2018</a:t>
+              <a:t>12/03/2018</a:t>
             </a:fld>
             <a:endParaRPr lang="fr-FR"/>
           </a:p>
@@ -811,7 +810,7 @@
           <a:p>
             <a:fld id="{EC73ADC3-C8BE-4ABF-888B-569D9B0F99DE}" type="datetimeFigureOut">
               <a:rPr lang="fr-FR" smtClean="0"/>
-              <a:t>07/03/2018</a:t>
+              <a:t>12/03/2018</a:t>
             </a:fld>
             <a:endParaRPr lang="fr-FR"/>
           </a:p>
@@ -1072,7 +1071,7 @@
           <a:p>
             <a:fld id="{EC73ADC3-C8BE-4ABF-888B-569D9B0F99DE}" type="datetimeFigureOut">
               <a:rPr lang="fr-FR" smtClean="0"/>
-              <a:t>07/03/2018</a:t>
+              <a:t>12/03/2018</a:t>
             </a:fld>
             <a:endParaRPr lang="fr-FR"/>
           </a:p>
@@ -1496,7 +1495,7 @@
           <a:p>
             <a:fld id="{EC73ADC3-C8BE-4ABF-888B-569D9B0F99DE}" type="datetimeFigureOut">
               <a:rPr lang="fr-FR" smtClean="0"/>
-              <a:t>07/03/2018</a:t>
+              <a:t>12/03/2018</a:t>
             </a:fld>
             <a:endParaRPr lang="fr-FR"/>
           </a:p>
@@ -2033,7 +2032,7 @@
           <a:p>
             <a:fld id="{EC73ADC3-C8BE-4ABF-888B-569D9B0F99DE}" type="datetimeFigureOut">
               <a:rPr lang="fr-FR" smtClean="0"/>
-              <a:t>07/03/2018</a:t>
+              <a:t>12/03/2018</a:t>
             </a:fld>
             <a:endParaRPr lang="fr-FR"/>
           </a:p>
@@ -2897,7 +2896,7 @@
           <a:p>
             <a:fld id="{EC73ADC3-C8BE-4ABF-888B-569D9B0F99DE}" type="datetimeFigureOut">
               <a:rPr lang="fr-FR" smtClean="0"/>
-              <a:t>07/03/2018</a:t>
+              <a:t>12/03/2018</a:t>
             </a:fld>
             <a:endParaRPr lang="fr-FR"/>
           </a:p>
@@ -3067,7 +3066,7 @@
           <a:p>
             <a:fld id="{EC73ADC3-C8BE-4ABF-888B-569D9B0F99DE}" type="datetimeFigureOut">
               <a:rPr lang="fr-FR" smtClean="0"/>
-              <a:t>07/03/2018</a:t>
+              <a:t>12/03/2018</a:t>
             </a:fld>
             <a:endParaRPr lang="fr-FR"/>
           </a:p>
@@ -3251,7 +3250,7 @@
           <a:p>
             <a:fld id="{EC73ADC3-C8BE-4ABF-888B-569D9B0F99DE}" type="datetimeFigureOut">
               <a:rPr lang="fr-FR" smtClean="0"/>
-              <a:t>07/03/2018</a:t>
+              <a:t>12/03/2018</a:t>
             </a:fld>
             <a:endParaRPr lang="fr-FR"/>
           </a:p>
@@ -3421,7 +3420,7 @@
           <a:p>
             <a:fld id="{EC73ADC3-C8BE-4ABF-888B-569D9B0F99DE}" type="datetimeFigureOut">
               <a:rPr lang="fr-FR" smtClean="0"/>
-              <a:t>07/03/2018</a:t>
+              <a:t>12/03/2018</a:t>
             </a:fld>
             <a:endParaRPr lang="fr-FR"/>
           </a:p>
@@ -3665,7 +3664,7 @@
           <a:p>
             <a:fld id="{EC73ADC3-C8BE-4ABF-888B-569D9B0F99DE}" type="datetimeFigureOut">
               <a:rPr lang="fr-FR" smtClean="0"/>
-              <a:t>07/03/2018</a:t>
+              <a:t>12/03/2018</a:t>
             </a:fld>
             <a:endParaRPr lang="fr-FR"/>
           </a:p>
@@ -3901,7 +3900,7 @@
           <a:p>
             <a:fld id="{EC73ADC3-C8BE-4ABF-888B-569D9B0F99DE}" type="datetimeFigureOut">
               <a:rPr lang="fr-FR" smtClean="0"/>
-              <a:t>07/03/2018</a:t>
+              <a:t>12/03/2018</a:t>
             </a:fld>
             <a:endParaRPr lang="fr-FR"/>
           </a:p>
@@ -4367,7 +4366,7 @@
           <a:p>
             <a:fld id="{EC73ADC3-C8BE-4ABF-888B-569D9B0F99DE}" type="datetimeFigureOut">
               <a:rPr lang="fr-FR" smtClean="0"/>
-              <a:t>07/03/2018</a:t>
+              <a:t>12/03/2018</a:t>
             </a:fld>
             <a:endParaRPr lang="fr-FR"/>
           </a:p>
@@ -4485,7 +4484,7 @@
           <a:p>
             <a:fld id="{EC73ADC3-C8BE-4ABF-888B-569D9B0F99DE}" type="datetimeFigureOut">
               <a:rPr lang="fr-FR" smtClean="0"/>
-              <a:t>07/03/2018</a:t>
+              <a:t>12/03/2018</a:t>
             </a:fld>
             <a:endParaRPr lang="fr-FR"/>
           </a:p>
@@ -4580,7 +4579,7 @@
           <a:p>
             <a:fld id="{EC73ADC3-C8BE-4ABF-888B-569D9B0F99DE}" type="datetimeFigureOut">
               <a:rPr lang="fr-FR" smtClean="0"/>
-              <a:t>07/03/2018</a:t>
+              <a:t>12/03/2018</a:t>
             </a:fld>
             <a:endParaRPr lang="fr-FR"/>
           </a:p>
@@ -4835,7 +4834,7 @@
           <a:p>
             <a:fld id="{EC73ADC3-C8BE-4ABF-888B-569D9B0F99DE}" type="datetimeFigureOut">
               <a:rPr lang="fr-FR" smtClean="0"/>
-              <a:t>07/03/2018</a:t>
+              <a:t>12/03/2018</a:t>
             </a:fld>
             <a:endParaRPr lang="fr-FR"/>
           </a:p>
@@ -5135,7 +5134,7 @@
           <a:p>
             <a:fld id="{EC73ADC3-C8BE-4ABF-888B-569D9B0F99DE}" type="datetimeFigureOut">
               <a:rPr lang="fr-FR" smtClean="0"/>
-              <a:t>07/03/2018</a:t>
+              <a:t>12/03/2018</a:t>
             </a:fld>
             <a:endParaRPr lang="fr-FR"/>
           </a:p>
@@ -5369,7 +5368,7 @@
           <a:p>
             <a:fld id="{EC73ADC3-C8BE-4ABF-888B-569D9B0F99DE}" type="datetimeFigureOut">
               <a:rPr lang="fr-FR" smtClean="0"/>
-              <a:t>07/03/2018</a:t>
+              <a:t>12/03/2018</a:t>
             </a:fld>
             <a:endParaRPr lang="fr-FR"/>
           </a:p>
@@ -6752,145 +6751,6 @@
 </p:sld>
 </file>
 
-<file path=ppt/slides/slide13.xml><?xml version="1.0" encoding="utf-8"?>
-<p:sld xmlns:a="http://schemas.openxmlformats.org/drawingml/2006/main" xmlns:r="http://schemas.openxmlformats.org/officeDocument/2006/relationships" xmlns:p="http://schemas.openxmlformats.org/presentationml/2006/main">
-  <p:cSld>
-    <p:spTree>
-      <p:nvGrpSpPr>
-        <p:cNvPr id="1" name=""/>
-        <p:cNvGrpSpPr/>
-        <p:nvPr/>
-      </p:nvGrpSpPr>
-      <p:grpSpPr>
-        <a:xfrm>
-          <a:off x="0" y="0"/>
-          <a:ext cx="0" cy="0"/>
-          <a:chOff x="0" y="0"/>
-          <a:chExt cx="0" cy="0"/>
-        </a:xfrm>
-      </p:grpSpPr>
-      <p:sp>
-        <p:nvSpPr>
-          <p:cNvPr id="2" name="Titre 1">
-            <a:extLst>
-              <a:ext uri="{FF2B5EF4-FFF2-40B4-BE49-F238E27FC236}">
-                <a16:creationId xmlns:a16="http://schemas.microsoft.com/office/drawing/2014/main" id="{D5644770-4B07-4DAB-9CAE-78D2A12966DB}"/>
-              </a:ext>
-            </a:extLst>
-          </p:cNvPr>
-          <p:cNvSpPr>
-            <a:spLocks noGrp="1"/>
-          </p:cNvSpPr>
-          <p:nvPr>
-            <p:ph type="title"/>
-          </p:nvPr>
-        </p:nvSpPr>
-        <p:spPr/>
-        <p:txBody>
-          <a:bodyPr/>
-          <a:lstStyle/>
-          <a:p>
-            <a:r>
-              <a:rPr lang="fr-FR" dirty="0"/>
-              <a:t>Perspective d’évolution</a:t>
-            </a:r>
-          </a:p>
-        </p:txBody>
-      </p:sp>
-      <p:sp>
-        <p:nvSpPr>
-          <p:cNvPr id="3" name="Espace réservé du contenu 2">
-            <a:extLst>
-              <a:ext uri="{FF2B5EF4-FFF2-40B4-BE49-F238E27FC236}">
-                <a16:creationId xmlns:a16="http://schemas.microsoft.com/office/drawing/2014/main" id="{5E502642-E227-4CDB-9D6C-C2E60CE43F5A}"/>
-              </a:ext>
-            </a:extLst>
-          </p:cNvPr>
-          <p:cNvSpPr>
-            <a:spLocks noGrp="1"/>
-          </p:cNvSpPr>
-          <p:nvPr>
-            <p:ph idx="1"/>
-          </p:nvPr>
-        </p:nvSpPr>
-        <p:spPr>
-          <a:xfrm>
-            <a:off x="913795" y="1732450"/>
-            <a:ext cx="9460489" cy="4515950"/>
-          </a:xfrm>
-        </p:spPr>
-        <p:txBody>
-          <a:bodyPr>
-            <a:normAutofit/>
-          </a:bodyPr>
-          <a:lstStyle/>
-          <a:p>
-            <a:r>
-              <a:rPr lang="fr-FR" dirty="0"/>
-              <a:t>Plus-value de cette analyse</a:t>
-            </a:r>
-          </a:p>
-          <a:p>
-            <a:pPr lvl="1"/>
-            <a:r>
-              <a:rPr lang="fr-FR" dirty="0"/>
-              <a:t>Permettre d’affiner le profil de chaque utilisateur au fur et à mesure qu’il utilise notre application pour ensuite lui proposer un meilleur contenu à découvrir tout en le fidélisant (Important pour la dimension marketing du projet)</a:t>
-            </a:r>
-          </a:p>
-          <a:p>
-            <a:endParaRPr lang="fr-FR" dirty="0"/>
-          </a:p>
-        </p:txBody>
-      </p:sp>
-      <p:pic>
-        <p:nvPicPr>
-          <p:cNvPr id="6" name="Image 5">
-            <a:extLst>
-              <a:ext uri="{FF2B5EF4-FFF2-40B4-BE49-F238E27FC236}">
-                <a16:creationId xmlns:a16="http://schemas.microsoft.com/office/drawing/2014/main" id="{585C6784-4C6C-4F23-AC97-FBD6AE52A695}"/>
-              </a:ext>
-            </a:extLst>
-          </p:cNvPr>
-          <p:cNvPicPr>
-            <a:picLocks noChangeAspect="1"/>
-          </p:cNvPicPr>
-          <p:nvPr/>
-        </p:nvPicPr>
-        <p:blipFill>
-          <a:blip r:embed="rId2">
-            <a:extLst>
-              <a:ext uri="{28A0092B-C50C-407E-A947-70E740481C1C}">
-                <a14:useLocalDpi xmlns:a14="http://schemas.microsoft.com/office/drawing/2010/main" val="0"/>
-              </a:ext>
-            </a:extLst>
-          </a:blip>
-          <a:stretch>
-            <a:fillRect/>
-          </a:stretch>
-        </p:blipFill>
-        <p:spPr>
-          <a:xfrm>
-            <a:off x="3657153" y="3429000"/>
-            <a:ext cx="4867045" cy="3582145"/>
-          </a:xfrm>
-          <a:prstGeom prst="rect">
-            <a:avLst/>
-          </a:prstGeom>
-        </p:spPr>
-      </p:pic>
-    </p:spTree>
-    <p:extLst>
-      <p:ext uri="{BB962C8B-B14F-4D97-AF65-F5344CB8AC3E}">
-        <p14:creationId xmlns:p14="http://schemas.microsoft.com/office/powerpoint/2010/main" val="2826995035"/>
-      </p:ext>
-    </p:extLst>
-  </p:cSld>
-  <p:clrMapOvr>
-    <a:masterClrMapping/>
-  </p:clrMapOvr>
-</p:sld>
-</file>
-
 <file path=ppt/slides/slide2.xml><?xml version="1.0" encoding="utf-8"?>
 <p:sld xmlns:a="http://schemas.openxmlformats.org/drawingml/2006/main" xmlns:r="http://schemas.openxmlformats.org/officeDocument/2006/relationships" xmlns:p="http://schemas.openxmlformats.org/presentationml/2006/main">
   <p:cSld>
@@ -7060,7 +6920,7 @@
           <p:cNvPr id="2" name="Titre 1">
             <a:extLst>
               <a:ext uri="{FF2B5EF4-FFF2-40B4-BE49-F238E27FC236}">
-                <a16:creationId xmlns:a16="http://schemas.microsoft.com/office/drawing/2014/main" id="{372C6365-634F-4B35-84C5-E525463EDD1F}"/>
+                <a16:creationId xmlns:a16="http://schemas.microsoft.com/office/drawing/2014/main" id="{D5644770-4B07-4DAB-9CAE-78D2A12966DB}"/>
               </a:ext>
             </a:extLst>
           </p:cNvPr>
@@ -7088,7 +6948,7 @@
           <p:cNvPr id="3" name="Espace réservé du contenu 2">
             <a:extLst>
               <a:ext uri="{FF2B5EF4-FFF2-40B4-BE49-F238E27FC236}">
-                <a16:creationId xmlns:a16="http://schemas.microsoft.com/office/drawing/2014/main" id="{55A3182F-AEE3-45AB-9D61-DA3883876B79}"/>
+                <a16:creationId xmlns:a16="http://schemas.microsoft.com/office/drawing/2014/main" id="{5E502642-E227-4CDB-9D6C-C2E60CE43F5A}"/>
               </a:ext>
             </a:extLst>
           </p:cNvPr>
@@ -7101,32 +6961,73 @@
         </p:nvSpPr>
         <p:spPr>
           <a:xfrm>
-            <a:off x="913795" y="1774394"/>
-            <a:ext cx="10353762" cy="4058751"/>
-          </a:xfrm>
-        </p:spPr>
-        <p:txBody>
-          <a:bodyPr/>
+            <a:off x="913795" y="1732450"/>
+            <a:ext cx="9460489" cy="4515950"/>
+          </a:xfrm>
+        </p:spPr>
+        <p:txBody>
+          <a:bodyPr>
+            <a:normAutofit/>
+          </a:bodyPr>
           <a:lstStyle/>
           <a:p>
             <a:r>
-              <a:rPr lang="fr-FR" b="1" dirty="0"/>
-              <a:t>But Système profiling de base -&gt; Vers notre solution</a:t>
+              <a:rPr lang="fr-FR" dirty="0"/>
+              <a:t>Plus-value de cette analyse</a:t>
+            </a:r>
+          </a:p>
+          <a:p>
+            <a:pPr lvl="1"/>
+            <a:r>
+              <a:rPr lang="fr-FR" dirty="0"/>
+              <a:t>Permettre d’affiner le profil de chaque utilisateur au fur et à mesure qu’il utilise notre application pour ensuite lui proposer un meilleur contenu à découvrir tout en le fidélisant (Important pour la dimension marketing du projet)</a:t>
             </a:r>
           </a:p>
           <a:p>
             <a:endParaRPr lang="fr-FR" dirty="0"/>
           </a:p>
-          <a:p>
-            <a:pPr lvl="2"/>
-            <a:endParaRPr lang="fr-FR" dirty="0"/>
-          </a:p>
-        </p:txBody>
-      </p:sp>
+        </p:txBody>
+      </p:sp>
+      <p:pic>
+        <p:nvPicPr>
+          <p:cNvPr id="6" name="Image 5">
+            <a:extLst>
+              <a:ext uri="{FF2B5EF4-FFF2-40B4-BE49-F238E27FC236}">
+                <a16:creationId xmlns:a16="http://schemas.microsoft.com/office/drawing/2014/main" id="{585C6784-4C6C-4F23-AC97-FBD6AE52A695}"/>
+              </a:ext>
+            </a:extLst>
+          </p:cNvPr>
+          <p:cNvPicPr>
+            <a:picLocks noChangeAspect="1"/>
+          </p:cNvPicPr>
+          <p:nvPr/>
+        </p:nvPicPr>
+        <p:blipFill>
+          <a:blip r:embed="rId2">
+            <a:extLst>
+              <a:ext uri="{28A0092B-C50C-407E-A947-70E740481C1C}">
+                <a14:useLocalDpi xmlns:a14="http://schemas.microsoft.com/office/drawing/2010/main" val="0"/>
+              </a:ext>
+            </a:extLst>
+          </a:blip>
+          <a:stretch>
+            <a:fillRect/>
+          </a:stretch>
+        </p:blipFill>
+        <p:spPr>
+          <a:xfrm>
+            <a:off x="3657153" y="3429000"/>
+            <a:ext cx="4867045" cy="3582145"/>
+          </a:xfrm>
+          <a:prstGeom prst="rect">
+            <a:avLst/>
+          </a:prstGeom>
+        </p:spPr>
+      </p:pic>
     </p:spTree>
     <p:extLst>
       <p:ext uri="{BB962C8B-B14F-4D97-AF65-F5344CB8AC3E}">
-        <p14:creationId xmlns:p14="http://schemas.microsoft.com/office/powerpoint/2010/main" val="4226213592"/>
+        <p14:creationId xmlns:p14="http://schemas.microsoft.com/office/powerpoint/2010/main" val="2826995035"/>
       </p:ext>
     </p:extLst>
   </p:cSld>
@@ -7733,7 +7634,7 @@
         </p:blipFill>
         <p:spPr>
           <a:xfrm>
-            <a:off x="8547723" y="4719103"/>
+            <a:off x="8497850" y="4719103"/>
             <a:ext cx="3823571" cy="1918137"/>
           </a:xfrm>
           <a:prstGeom prst="rect">
